--- a/PRESENTACIONES/2. SQL.pptx
+++ b/PRESENTACIONES/2. SQL.pptx
@@ -152,6 +152,11 @@
       </a:defRPr>
     </a:lvl9pPr>
   </p:defaultTextStyle>
+  <p:extLst>
+    <p:ext uri="{EFAFB233-063F-42B5-8137-9DF3F51BA10A}">
+      <p15:sldGuideLst xmlns:p15="http://schemas.microsoft.com/office/powerpoint/2012/main"/>
+    </p:ext>
+  </p:extLst>
 </p:presentation>
 </file>
 
@@ -278,7 +283,7 @@
             <a:fld id="{FB55D398-1BA4-4D8A-813A-28CAC3372A3E}" type="datetime1">
               <a:rPr lang="es-ES"/>
               <a:pPr lvl="0"/>
-              <a:t>06/02/2023</a:t>
+              <a:t>13/02/2023</a:t>
             </a:fld>
             <a:endParaRPr lang="es-ES"/>
           </a:p>
@@ -513,7 +518,7 @@
             <a:fld id="{4BCE2694-5821-4106-B084-0BCF84A35AF3}" type="datetime1">
               <a:rPr lang="es-ES"/>
               <a:pPr lvl="0"/>
-              <a:t>06/02/2023</a:t>
+              <a:t>13/02/2023</a:t>
             </a:fld>
             <a:endParaRPr lang="es-ES"/>
           </a:p>
@@ -757,7 +762,7 @@
             <a:fld id="{0C5461A8-3DC6-45C0-9953-49210069396F}" type="datetime1">
               <a:rPr lang="es-ES"/>
               <a:pPr lvl="0"/>
-              <a:t>06/02/2023</a:t>
+              <a:t>13/02/2023</a:t>
             </a:fld>
             <a:endParaRPr lang="es-ES"/>
           </a:p>
@@ -991,7 +996,7 @@
             <a:fld id="{75369A8D-5813-4F30-AF7C-F0E519B40B03}" type="datetime1">
               <a:rPr lang="es-ES"/>
               <a:pPr lvl="0"/>
-              <a:t>06/02/2023</a:t>
+              <a:t>13/02/2023</a:t>
             </a:fld>
             <a:endParaRPr lang="es-ES"/>
           </a:p>
@@ -1201,7 +1206,7 @@
             <a:fld id="{DF1E7B08-BAC1-4692-927B-0426A522C8F8}" type="datetime1">
               <a:rPr lang="es-ES"/>
               <a:pPr lvl="0"/>
-              <a:t>06/02/2023</a:t>
+              <a:t>13/02/2023</a:t>
             </a:fld>
             <a:endParaRPr lang="es-ES"/>
           </a:p>
@@ -1518,7 +1523,7 @@
             <a:fld id="{9973E51F-920A-43A4-AF56-2647A97793AC}" type="datetime1">
               <a:rPr lang="es-ES"/>
               <a:pPr lvl="0"/>
-              <a:t>06/02/2023</a:t>
+              <a:t>13/02/2023</a:t>
             </a:fld>
             <a:endParaRPr lang="es-ES"/>
           </a:p>
@@ -1918,7 +1923,7 @@
             <a:fld id="{0523C8C7-EC73-42DD-B206-50E488C488FE}" type="datetime1">
               <a:rPr lang="es-ES"/>
               <a:pPr lvl="0"/>
-              <a:t>06/02/2023</a:t>
+              <a:t>13/02/2023</a:t>
             </a:fld>
             <a:endParaRPr lang="es-ES"/>
           </a:p>
@@ -2079,7 +2084,7 @@
             <a:fld id="{3E39965E-8326-4F0F-B789-34DBD9F0272B}" type="datetime1">
               <a:rPr lang="es-ES"/>
               <a:pPr lvl="0"/>
-              <a:t>06/02/2023</a:t>
+              <a:t>13/02/2023</a:t>
             </a:fld>
             <a:endParaRPr lang="es-ES"/>
           </a:p>
@@ -2207,7 +2212,7 @@
             <a:fld id="{31A33C4C-7DF2-408D-8772-C2CCEE3FF820}" type="datetime1">
               <a:rPr lang="es-ES"/>
               <a:pPr lvl="0"/>
-              <a:t>06/02/2023</a:t>
+              <a:t>13/02/2023</a:t>
             </a:fld>
             <a:endParaRPr lang="es-ES"/>
           </a:p>
@@ -2490,7 +2495,7 @@
             <a:fld id="{0FEA654F-A8AD-4F26-BC99-BCFEC35E95D7}" type="datetime1">
               <a:rPr lang="es-ES"/>
               <a:pPr lvl="0"/>
-              <a:t>06/02/2023</a:t>
+              <a:t>13/02/2023</a:t>
             </a:fld>
             <a:endParaRPr lang="es-ES"/>
           </a:p>
@@ -2731,7 +2736,7 @@
             <a:fld id="{C3A494C5-FEED-4A5D-A344-48317DD1976F}" type="datetime1">
               <a:rPr lang="es-ES"/>
               <a:pPr lvl="0"/>
-              <a:t>06/02/2023</a:t>
+              <a:t>13/02/2023</a:t>
             </a:fld>
             <a:endParaRPr lang="es-ES"/>
           </a:p>
@@ -3012,7 +3017,7 @@
             <a:fld id="{A220BB08-5A00-4EF6-ABC6-A68650213854}" type="datetime1">
               <a:rPr lang="es-ES"/>
               <a:pPr lvl="0"/>
-              <a:t>06/02/2023</a:t>
+              <a:t>13/02/2023</a:t>
             </a:fld>
             <a:endParaRPr lang="es-ES"/>
           </a:p>
